--- a/Figures.pptx
+++ b/Figures.pptx
@@ -5,8 +5,8 @@
     <p:sldMasterId id="2147483648" r:id="rId1"/>
   </p:sldMasterIdLst>
   <p:sldIdLst>
-    <p:sldId id="256" r:id="rId2"/>
-    <p:sldId id="290" r:id="rId3"/>
+    <p:sldId id="290" r:id="rId2"/>
+    <p:sldId id="256" r:id="rId3"/>
     <p:sldId id="258" r:id="rId4"/>
     <p:sldId id="259" r:id="rId5"/>
     <p:sldId id="264" r:id="rId6"/>
@@ -123,6 +123,37 @@
     </a:lvl9pPr>
   </p:defaultTextStyle>
   <p:extLst>
+    <p:ext uri="{521415D9-36F7-43E2-AB2F-B90AF26B5E84}">
+      <p14:sectionLst xmlns:p14="http://schemas.microsoft.com/office/powerpoint/2010/main">
+        <p14:section name="Default Section" id="{29C7D4A1-27AF-504E-A418-073C574796EB}">
+          <p14:sldIdLst>
+            <p14:sldId id="290"/>
+            <p14:sldId id="256"/>
+            <p14:sldId id="258"/>
+            <p14:sldId id="259"/>
+            <p14:sldId id="264"/>
+            <p14:sldId id="279"/>
+            <p14:sldId id="276"/>
+            <p14:sldId id="280"/>
+            <p14:sldId id="278"/>
+            <p14:sldId id="262"/>
+            <p14:sldId id="277"/>
+            <p14:sldId id="281"/>
+          </p14:sldIdLst>
+        </p14:section>
+        <p14:section name="Untitled Section" id="{7FEE410D-6050-F244-B7A5-02716D56CAB5}">
+          <p14:sldIdLst>
+            <p14:sldId id="285"/>
+            <p14:sldId id="286"/>
+            <p14:sldId id="287"/>
+            <p14:sldId id="288"/>
+            <p14:sldId id="260"/>
+            <p14:sldId id="267"/>
+            <p14:sldId id="289"/>
+          </p14:sldIdLst>
+        </p14:section>
+      </p14:sectionLst>
+    </p:ext>
     <p:ext uri="{EFAFB233-063F-42B5-8137-9DF3F51BA10A}">
       <p15:sldGuideLst xmlns:p15="http://schemas.microsoft.com/office/powerpoint/2012/main"/>
     </p:ext>
@@ -279,7 +310,7 @@
           <a:p>
             <a:fld id="{FC309D98-FC64-9B45-B9EC-0D534AD64BE3}" type="datetimeFigureOut">
               <a:rPr lang="en-US" smtClean="0"/>
-              <a:t>10/12/23</a:t>
+              <a:t>2/12/24</a:t>
             </a:fld>
             <a:endParaRPr lang="en-US"/>
           </a:p>
@@ -479,7 +510,7 @@
           <a:p>
             <a:fld id="{FC309D98-FC64-9B45-B9EC-0D534AD64BE3}" type="datetimeFigureOut">
               <a:rPr lang="en-US" smtClean="0"/>
-              <a:t>10/12/23</a:t>
+              <a:t>2/12/24</a:t>
             </a:fld>
             <a:endParaRPr lang="en-US"/>
           </a:p>
@@ -689,7 +720,7 @@
           <a:p>
             <a:fld id="{FC309D98-FC64-9B45-B9EC-0D534AD64BE3}" type="datetimeFigureOut">
               <a:rPr lang="en-US" smtClean="0"/>
-              <a:t>10/12/23</a:t>
+              <a:t>2/12/24</a:t>
             </a:fld>
             <a:endParaRPr lang="en-US"/>
           </a:p>
@@ -889,7 +920,7 @@
           <a:p>
             <a:fld id="{FC309D98-FC64-9B45-B9EC-0D534AD64BE3}" type="datetimeFigureOut">
               <a:rPr lang="en-US" smtClean="0"/>
-              <a:t>10/12/23</a:t>
+              <a:t>2/12/24</a:t>
             </a:fld>
             <a:endParaRPr lang="en-US"/>
           </a:p>
@@ -1165,7 +1196,7 @@
           <a:p>
             <a:fld id="{FC309D98-FC64-9B45-B9EC-0D534AD64BE3}" type="datetimeFigureOut">
               <a:rPr lang="en-US" smtClean="0"/>
-              <a:t>10/12/23</a:t>
+              <a:t>2/12/24</a:t>
             </a:fld>
             <a:endParaRPr lang="en-US"/>
           </a:p>
@@ -1433,7 +1464,7 @@
           <a:p>
             <a:fld id="{FC309D98-FC64-9B45-B9EC-0D534AD64BE3}" type="datetimeFigureOut">
               <a:rPr lang="en-US" smtClean="0"/>
-              <a:t>10/12/23</a:t>
+              <a:t>2/12/24</a:t>
             </a:fld>
             <a:endParaRPr lang="en-US"/>
           </a:p>
@@ -1848,7 +1879,7 @@
           <a:p>
             <a:fld id="{FC309D98-FC64-9B45-B9EC-0D534AD64BE3}" type="datetimeFigureOut">
               <a:rPr lang="en-US" smtClean="0"/>
-              <a:t>10/12/23</a:t>
+              <a:t>2/12/24</a:t>
             </a:fld>
             <a:endParaRPr lang="en-US"/>
           </a:p>
@@ -1990,7 +2021,7 @@
           <a:p>
             <a:fld id="{FC309D98-FC64-9B45-B9EC-0D534AD64BE3}" type="datetimeFigureOut">
               <a:rPr lang="en-US" smtClean="0"/>
-              <a:t>10/12/23</a:t>
+              <a:t>2/12/24</a:t>
             </a:fld>
             <a:endParaRPr lang="en-US"/>
           </a:p>
@@ -2103,7 +2134,7 @@
           <a:p>
             <a:fld id="{FC309D98-FC64-9B45-B9EC-0D534AD64BE3}" type="datetimeFigureOut">
               <a:rPr lang="en-US" smtClean="0"/>
-              <a:t>10/12/23</a:t>
+              <a:t>2/12/24</a:t>
             </a:fld>
             <a:endParaRPr lang="en-US"/>
           </a:p>
@@ -2416,7 +2447,7 @@
           <a:p>
             <a:fld id="{FC309D98-FC64-9B45-B9EC-0D534AD64BE3}" type="datetimeFigureOut">
               <a:rPr lang="en-US" smtClean="0"/>
-              <a:t>10/12/23</a:t>
+              <a:t>2/12/24</a:t>
             </a:fld>
             <a:endParaRPr lang="en-US"/>
           </a:p>
@@ -2705,7 +2736,7 @@
           <a:p>
             <a:fld id="{FC309D98-FC64-9B45-B9EC-0D534AD64BE3}" type="datetimeFigureOut">
               <a:rPr lang="en-US" smtClean="0"/>
-              <a:t>10/12/23</a:t>
+              <a:t>2/12/24</a:t>
             </a:fld>
             <a:endParaRPr lang="en-US"/>
           </a:p>
@@ -2948,7 +2979,7 @@
           <a:p>
             <a:fld id="{FC309D98-FC64-9B45-B9EC-0D534AD64BE3}" type="datetimeFigureOut">
               <a:rPr lang="en-US" smtClean="0"/>
-              <a:t>10/12/23</a:t>
+              <a:t>2/12/24</a:t>
             </a:fld>
             <a:endParaRPr lang="en-US"/>
           </a:p>
@@ -3365,57 +3396,69 @@
           <a:chExt cx="0" cy="0"/>
         </a:xfrm>
       </p:grpSpPr>
-      <p:pic>
-        <p:nvPicPr>
-          <p:cNvPr id="4098" name="Picture 2">
-            <a:extLst>
-              <a:ext uri="{FF2B5EF4-FFF2-40B4-BE49-F238E27FC236}">
-                <a16:creationId xmlns:a16="http://schemas.microsoft.com/office/drawing/2014/main" id="{BC0E9891-9174-B089-BFDC-41D159251752}"/>
-              </a:ext>
-            </a:extLst>
-          </p:cNvPr>
-          <p:cNvPicPr>
-            <a:picLocks noChangeAspect="1" noChangeArrowheads="1"/>
-          </p:cNvPicPr>
-          <p:nvPr/>
-        </p:nvPicPr>
-        <p:blipFill>
-          <a:blip r:embed="rId2">
-            <a:extLst>
-              <a:ext uri="{28A0092B-C50C-407E-A947-70E740481C1C}">
-                <a14:useLocalDpi xmlns:a14="http://schemas.microsoft.com/office/drawing/2010/main" val="0"/>
-              </a:ext>
-            </a:extLst>
-          </a:blip>
-          <a:srcRect/>
-          <a:stretch>
-            <a:fillRect/>
-          </a:stretch>
-        </p:blipFill>
-        <p:spPr bwMode="auto">
-          <a:xfrm>
-            <a:off x="1598613" y="0"/>
-            <a:ext cx="8994775" cy="6858000"/>
-          </a:xfrm>
-          <a:prstGeom prst="rect">
-            <a:avLst/>
-          </a:prstGeom>
-          <a:noFill/>
-          <a:extLst>
-            <a:ext uri="{909E8E84-426E-40DD-AFC4-6F175D3DCCD1}">
-              <a14:hiddenFill xmlns:a14="http://schemas.microsoft.com/office/drawing/2010/main">
-                <a:solidFill>
-                  <a:srgbClr val="FFFFFF"/>
-                </a:solidFill>
-              </a14:hiddenFill>
-            </a:ext>
-          </a:extLst>
-        </p:spPr>
-      </p:pic>
+      <p:sp>
+        <p:nvSpPr>
+          <p:cNvPr id="2" name="Title 1">
+            <a:extLst>
+              <a:ext uri="{FF2B5EF4-FFF2-40B4-BE49-F238E27FC236}">
+                <a16:creationId xmlns:a16="http://schemas.microsoft.com/office/drawing/2014/main" id="{BBDC1FDF-6B77-4011-4B57-B19DC429EFD5}"/>
+              </a:ext>
+            </a:extLst>
+          </p:cNvPr>
+          <p:cNvSpPr>
+            <a:spLocks noGrp="1"/>
+          </p:cNvSpPr>
+          <p:nvPr>
+            <p:ph type="title"/>
+          </p:nvPr>
+        </p:nvSpPr>
+        <p:spPr/>
+        <p:txBody>
+          <a:bodyPr/>
+          <a:lstStyle/>
+          <a:p>
+            <a:r>
+              <a:rPr lang="en-US" dirty="0"/>
+              <a:t>Lactic Acid Microarray Analysis Figures</a:t>
+            </a:r>
+          </a:p>
+        </p:txBody>
+      </p:sp>
+      <p:sp>
+        <p:nvSpPr>
+          <p:cNvPr id="3" name="Content Placeholder 2">
+            <a:extLst>
+              <a:ext uri="{FF2B5EF4-FFF2-40B4-BE49-F238E27FC236}">
+                <a16:creationId xmlns:a16="http://schemas.microsoft.com/office/drawing/2014/main" id="{F6F03C60-DFD9-1E7A-A093-2B153D704FB1}"/>
+              </a:ext>
+            </a:extLst>
+          </p:cNvPr>
+          <p:cNvSpPr>
+            <a:spLocks noGrp="1"/>
+          </p:cNvSpPr>
+          <p:nvPr>
+            <p:ph idx="1"/>
+          </p:nvPr>
+        </p:nvSpPr>
+        <p:spPr/>
+        <p:txBody>
+          <a:bodyPr/>
+          <a:lstStyle/>
+          <a:p>
+            <a:pPr marL="0" indent="0">
+              <a:buNone/>
+            </a:pPr>
+            <a:r>
+              <a:rPr lang="en-US" dirty="0"/>
+              <a:t>Finn O’Donoghue Sept. 2023</a:t>
+            </a:r>
+          </a:p>
+        </p:txBody>
+      </p:sp>
     </p:spTree>
     <p:extLst>
       <p:ext uri="{BB962C8B-B14F-4D97-AF65-F5344CB8AC3E}">
-        <p14:creationId xmlns:p14="http://schemas.microsoft.com/office/powerpoint/2010/main" val="3524961260"/>
+        <p14:creationId xmlns:p14="http://schemas.microsoft.com/office/powerpoint/2010/main" val="3413230576"/>
       </p:ext>
     </p:extLst>
   </p:cSld>
@@ -4637,60 +4680,57 @@
           <a:chExt cx="0" cy="0"/>
         </a:xfrm>
       </p:grpSpPr>
-      <p:sp>
-        <p:nvSpPr>
-          <p:cNvPr id="2" name="Title 1">
-            <a:extLst>
-              <a:ext uri="{FF2B5EF4-FFF2-40B4-BE49-F238E27FC236}">
-                <a16:creationId xmlns:a16="http://schemas.microsoft.com/office/drawing/2014/main" id="{BBDC1FDF-6B77-4011-4B57-B19DC429EFD5}"/>
-              </a:ext>
-            </a:extLst>
-          </p:cNvPr>
-          <p:cNvSpPr>
-            <a:spLocks noGrp="1"/>
-          </p:cNvSpPr>
-          <p:nvPr>
-            <p:ph type="title"/>
-          </p:nvPr>
-        </p:nvSpPr>
-        <p:spPr/>
-        <p:txBody>
-          <a:bodyPr/>
-          <a:lstStyle/>
-          <a:p>
-            <a:endParaRPr lang="en-US"/>
-          </a:p>
-        </p:txBody>
-      </p:sp>
-      <p:sp>
-        <p:nvSpPr>
-          <p:cNvPr id="3" name="Content Placeholder 2">
-            <a:extLst>
-              <a:ext uri="{FF2B5EF4-FFF2-40B4-BE49-F238E27FC236}">
-                <a16:creationId xmlns:a16="http://schemas.microsoft.com/office/drawing/2014/main" id="{F6F03C60-DFD9-1E7A-A093-2B153D704FB1}"/>
-              </a:ext>
-            </a:extLst>
-          </p:cNvPr>
-          <p:cNvSpPr>
-            <a:spLocks noGrp="1"/>
-          </p:cNvSpPr>
-          <p:nvPr>
-            <p:ph idx="1"/>
-          </p:nvPr>
-        </p:nvSpPr>
-        <p:spPr/>
-        <p:txBody>
-          <a:bodyPr/>
-          <a:lstStyle/>
-          <a:p>
-            <a:endParaRPr lang="en-US"/>
-          </a:p>
-        </p:txBody>
-      </p:sp>
+      <p:pic>
+        <p:nvPicPr>
+          <p:cNvPr id="4098" name="Picture 2">
+            <a:extLst>
+              <a:ext uri="{FF2B5EF4-FFF2-40B4-BE49-F238E27FC236}">
+                <a16:creationId xmlns:a16="http://schemas.microsoft.com/office/drawing/2014/main" id="{BC0E9891-9174-B089-BFDC-41D159251752}"/>
+              </a:ext>
+            </a:extLst>
+          </p:cNvPr>
+          <p:cNvPicPr>
+            <a:picLocks noChangeAspect="1" noChangeArrowheads="1"/>
+          </p:cNvPicPr>
+          <p:nvPr/>
+        </p:nvPicPr>
+        <p:blipFill>
+          <a:blip r:embed="rId2">
+            <a:extLst>
+              <a:ext uri="{28A0092B-C50C-407E-A947-70E740481C1C}">
+                <a14:useLocalDpi xmlns:a14="http://schemas.microsoft.com/office/drawing/2010/main" val="0"/>
+              </a:ext>
+            </a:extLst>
+          </a:blip>
+          <a:srcRect/>
+          <a:stretch>
+            <a:fillRect/>
+          </a:stretch>
+        </p:blipFill>
+        <p:spPr bwMode="auto">
+          <a:xfrm>
+            <a:off x="1598612" y="94593"/>
+            <a:ext cx="8994775" cy="6858000"/>
+          </a:xfrm>
+          <a:prstGeom prst="rect">
+            <a:avLst/>
+          </a:prstGeom>
+          <a:noFill/>
+          <a:extLst>
+            <a:ext uri="{909E8E84-426E-40DD-AFC4-6F175D3DCCD1}">
+              <a14:hiddenFill xmlns:a14="http://schemas.microsoft.com/office/drawing/2010/main">
+                <a:solidFill>
+                  <a:srgbClr val="FFFFFF"/>
+                </a:solidFill>
+              </a14:hiddenFill>
+            </a:ext>
+          </a:extLst>
+        </p:spPr>
+      </p:pic>
     </p:spTree>
     <p:extLst>
       <p:ext uri="{BB962C8B-B14F-4D97-AF65-F5344CB8AC3E}">
-        <p14:creationId xmlns:p14="http://schemas.microsoft.com/office/powerpoint/2010/main" val="3413230576"/>
+        <p14:creationId xmlns:p14="http://schemas.microsoft.com/office/powerpoint/2010/main" val="3524961260"/>
       </p:ext>
     </p:extLst>
   </p:cSld>
